--- a/src/docs/asciidoc/diagrams/architecture.pptx
+++ b/src/docs/asciidoc/diagrams/architecture.pptx
@@ -197,7 +197,7 @@
           <a:p>
             <a:fld id="{0DC0EFBC-9D7D-0244-B20C-55650DEDEF4D}" type="datetimeFigureOut">
               <a:rPr lang="en-US" smtClean="0"/>
-              <a:t>8/10/17</a:t>
+              <a:t>8/20/17</a:t>
             </a:fld>
             <a:endParaRPr lang="en-US"/>
           </a:p>
@@ -596,7 +596,7 @@
           <a:p>
             <a:fld id="{605B111B-7549-D448-8643-803B55AAE272}" type="datetimeFigureOut">
               <a:rPr lang="en-US" smtClean="0"/>
-              <a:t>8/10/17</a:t>
+              <a:t>8/20/17</a:t>
             </a:fld>
             <a:endParaRPr lang="en-US"/>
           </a:p>
@@ -766,7 +766,7 @@
           <a:p>
             <a:fld id="{605B111B-7549-D448-8643-803B55AAE272}" type="datetimeFigureOut">
               <a:rPr lang="en-US" smtClean="0"/>
-              <a:t>8/10/17</a:t>
+              <a:t>8/20/17</a:t>
             </a:fld>
             <a:endParaRPr lang="en-US"/>
           </a:p>
@@ -946,7 +946,7 @@
           <a:p>
             <a:fld id="{605B111B-7549-D448-8643-803B55AAE272}" type="datetimeFigureOut">
               <a:rPr lang="en-US" smtClean="0"/>
-              <a:t>8/10/17</a:t>
+              <a:t>8/20/17</a:t>
             </a:fld>
             <a:endParaRPr lang="en-US"/>
           </a:p>
@@ -1116,7 +1116,7 @@
           <a:p>
             <a:fld id="{605B111B-7549-D448-8643-803B55AAE272}" type="datetimeFigureOut">
               <a:rPr lang="en-US" smtClean="0"/>
-              <a:t>8/10/17</a:t>
+              <a:t>8/20/17</a:t>
             </a:fld>
             <a:endParaRPr lang="en-US"/>
           </a:p>
@@ -1362,7 +1362,7 @@
           <a:p>
             <a:fld id="{605B111B-7549-D448-8643-803B55AAE272}" type="datetimeFigureOut">
               <a:rPr lang="en-US" smtClean="0"/>
-              <a:t>8/10/17</a:t>
+              <a:t>8/20/17</a:t>
             </a:fld>
             <a:endParaRPr lang="en-US"/>
           </a:p>
@@ -1594,7 +1594,7 @@
           <a:p>
             <a:fld id="{605B111B-7549-D448-8643-803B55AAE272}" type="datetimeFigureOut">
               <a:rPr lang="en-US" smtClean="0"/>
-              <a:t>8/10/17</a:t>
+              <a:t>8/20/17</a:t>
             </a:fld>
             <a:endParaRPr lang="en-US"/>
           </a:p>
@@ -1961,7 +1961,7 @@
           <a:p>
             <a:fld id="{605B111B-7549-D448-8643-803B55AAE272}" type="datetimeFigureOut">
               <a:rPr lang="en-US" smtClean="0"/>
-              <a:t>8/10/17</a:t>
+              <a:t>8/20/17</a:t>
             </a:fld>
             <a:endParaRPr lang="en-US"/>
           </a:p>
@@ -2079,7 +2079,7 @@
           <a:p>
             <a:fld id="{605B111B-7549-D448-8643-803B55AAE272}" type="datetimeFigureOut">
               <a:rPr lang="en-US" smtClean="0"/>
-              <a:t>8/10/17</a:t>
+              <a:t>8/20/17</a:t>
             </a:fld>
             <a:endParaRPr lang="en-US"/>
           </a:p>
@@ -2174,7 +2174,7 @@
           <a:p>
             <a:fld id="{605B111B-7549-D448-8643-803B55AAE272}" type="datetimeFigureOut">
               <a:rPr lang="en-US" smtClean="0"/>
-              <a:t>8/10/17</a:t>
+              <a:t>8/20/17</a:t>
             </a:fld>
             <a:endParaRPr lang="en-US"/>
           </a:p>
@@ -2451,7 +2451,7 @@
           <a:p>
             <a:fld id="{605B111B-7549-D448-8643-803B55AAE272}" type="datetimeFigureOut">
               <a:rPr lang="en-US" smtClean="0"/>
-              <a:t>8/10/17</a:t>
+              <a:t>8/20/17</a:t>
             </a:fld>
             <a:endParaRPr lang="en-US"/>
           </a:p>
@@ -2704,7 +2704,7 @@
           <a:p>
             <a:fld id="{605B111B-7549-D448-8643-803B55AAE272}" type="datetimeFigureOut">
               <a:rPr lang="en-US" smtClean="0"/>
-              <a:t>8/10/17</a:t>
+              <a:t>8/20/17</a:t>
             </a:fld>
             <a:endParaRPr lang="en-US"/>
           </a:p>
@@ -2917,7 +2917,7 @@
           <a:p>
             <a:fld id="{605B111B-7549-D448-8643-803B55AAE272}" type="datetimeFigureOut">
               <a:rPr lang="en-US" smtClean="0"/>
-              <a:t>8/10/17</a:t>
+              <a:t>8/20/17</a:t>
             </a:fld>
             <a:endParaRPr lang="en-US"/>
           </a:p>
@@ -3330,7 +3330,7 @@
         </p:nvGrpSpPr>
         <p:grpSpPr>
           <a:xfrm>
-            <a:off x="7724567" y="2765488"/>
+            <a:off x="7597568" y="2240549"/>
             <a:ext cx="1003985" cy="1264698"/>
             <a:chOff x="9770031" y="2806267"/>
             <a:chExt cx="1003985" cy="1264698"/>
@@ -3433,7 +3433,7 @@
         </p:nvGrpSpPr>
         <p:grpSpPr>
           <a:xfrm>
-            <a:off x="9032014" y="2892215"/>
+            <a:off x="8905015" y="2367276"/>
             <a:ext cx="1147921" cy="1138245"/>
             <a:chOff x="9650934" y="938937"/>
             <a:chExt cx="1147921" cy="1138245"/>
@@ -3530,146 +3530,13 @@
       </p:grpSp>
       <p:grpSp>
         <p:nvGrpSpPr>
-          <p:cNvPr id="6" name="Group 5"/>
-          <p:cNvGrpSpPr/>
-          <p:nvPr/>
-        </p:nvGrpSpPr>
-        <p:grpSpPr>
-          <a:xfrm>
-            <a:off x="7267037" y="1398201"/>
-            <a:ext cx="1919044" cy="1313539"/>
-            <a:chOff x="6962159" y="1492728"/>
-            <a:chExt cx="1919044" cy="1313539"/>
-          </a:xfrm>
-        </p:grpSpPr>
-        <p:pic>
-          <p:nvPicPr>
-            <p:cNvPr id="28" name="Picture 27"/>
-            <p:cNvPicPr>
-              <a:picLocks noChangeAspect="1"/>
-            </p:cNvPicPr>
-            <p:nvPr/>
-          </p:nvPicPr>
-          <p:blipFill>
-            <a:blip r:embed="rId4">
-              <a:extLst>
-                <a:ext uri="{28A0092B-C50C-407E-A947-70E740481C1C}">
-                  <a14:useLocalDpi xmlns:a14="http://schemas.microsoft.com/office/drawing/2010/main" val="0"/>
-                </a:ext>
-              </a:extLst>
-            </a:blip>
-            <a:stretch>
-              <a:fillRect/>
-            </a:stretch>
-          </p:blipFill>
-          <p:spPr>
-            <a:xfrm>
-              <a:off x="7269890" y="1492728"/>
-              <a:ext cx="379401" cy="321916"/>
-            </a:xfrm>
-            <a:prstGeom prst="rect">
-              <a:avLst/>
-            </a:prstGeom>
-          </p:spPr>
-        </p:pic>
-        <p:pic>
-          <p:nvPicPr>
-            <p:cNvPr id="32" name="Picture 31"/>
-            <p:cNvPicPr>
-              <a:picLocks noChangeAspect="1"/>
-            </p:cNvPicPr>
-            <p:nvPr/>
-          </p:nvPicPr>
-          <p:blipFill>
-            <a:blip r:embed="rId5">
-              <a:extLst>
-                <a:ext uri="{28A0092B-C50C-407E-A947-70E740481C1C}">
-                  <a14:useLocalDpi xmlns:a14="http://schemas.microsoft.com/office/drawing/2010/main" val="0"/>
-                </a:ext>
-              </a:extLst>
-            </a:blip>
-            <a:stretch>
-              <a:fillRect/>
-            </a:stretch>
-          </p:blipFill>
-          <p:spPr>
-            <a:xfrm>
-              <a:off x="7649291" y="1576810"/>
-              <a:ext cx="544780" cy="653098"/>
-            </a:xfrm>
-            <a:prstGeom prst="rect">
-              <a:avLst/>
-            </a:prstGeom>
-          </p:spPr>
-        </p:pic>
-        <p:sp>
-          <p:nvSpPr>
-            <p:cNvPr id="34" name="TextBox 37"/>
-            <p:cNvSpPr txBox="1">
-              <a:spLocks noChangeArrowheads="1"/>
-            </p:cNvSpPr>
-            <p:nvPr/>
-          </p:nvSpPr>
-          <p:spPr bwMode="auto">
-            <a:xfrm>
-              <a:off x="6962159" y="2159936"/>
-              <a:ext cx="1919044" cy="646331"/>
-            </a:xfrm>
-            <a:prstGeom prst="rect">
-              <a:avLst/>
-            </a:prstGeom>
-            <a:noFill/>
-            <a:ln w="9525">
-              <a:noFill/>
-              <a:miter lim="800000"/>
-              <a:headEnd/>
-              <a:tailEnd/>
-            </a:ln>
-          </p:spPr>
-          <p:txBody>
-            <a:bodyPr wrap="square">
-              <a:spAutoFit/>
-            </a:bodyPr>
-            <a:lstStyle/>
-            <a:p>
-              <a:pPr algn="ctr"/>
-              <a:r>
-                <a:rPr lang="en-US" dirty="0" smtClean="0">
-                  <a:latin typeface="Arial" charset="0"/>
-                  <a:ea typeface="Arial" charset="0"/>
-                  <a:cs typeface="Arial" charset="0"/>
-                </a:rPr>
-                <a:t>CloudFront CDN</a:t>
-              </a:r>
-            </a:p>
-            <a:p>
-              <a:pPr algn="ctr"/>
-              <a:r>
-                <a:rPr lang="en-US" dirty="0" smtClean="0">
-                  <a:latin typeface="Arial" charset="0"/>
-                  <a:ea typeface="Arial" charset="0"/>
-                  <a:cs typeface="Arial" charset="0"/>
-                </a:rPr>
-                <a:t>w/certificate</a:t>
-              </a:r>
-              <a:endParaRPr lang="en-US" dirty="0">
-                <a:latin typeface="Arial" charset="0"/>
-                <a:ea typeface="Arial" charset="0"/>
-                <a:cs typeface="Arial" charset="0"/>
-              </a:endParaRPr>
-            </a:p>
-          </p:txBody>
-        </p:sp>
-      </p:grpSp>
-      <p:grpSp>
-        <p:nvGrpSpPr>
           <p:cNvPr id="7" name="Group 6"/>
           <p:cNvGrpSpPr/>
           <p:nvPr/>
         </p:nvGrpSpPr>
         <p:grpSpPr>
           <a:xfrm>
-            <a:off x="7302955" y="4227652"/>
+            <a:off x="7175956" y="3702713"/>
             <a:ext cx="1872609" cy="941181"/>
             <a:chOff x="5569591" y="4451905"/>
             <a:chExt cx="1872609" cy="941181"/>
@@ -3684,7 +3551,7 @@
             <p:nvPr/>
           </p:nvPicPr>
           <p:blipFill>
-            <a:blip r:embed="rId6">
+            <a:blip r:embed="rId4">
               <a:extLst>
                 <a:ext uri="{28A0092B-C50C-407E-A947-70E740481C1C}">
                   <a14:useLocalDpi xmlns:a14="http://schemas.microsoft.com/office/drawing/2010/main" val="0"/>
@@ -3753,282 +3620,103 @@
           </p:txBody>
         </p:sp>
       </p:grpSp>
+      <p:sp>
+        <p:nvSpPr>
+          <p:cNvPr id="4" name="Rounded Rectangle 3"/>
+          <p:cNvSpPr/>
+          <p:nvPr/>
+        </p:nvSpPr>
+        <p:spPr>
+          <a:xfrm>
+            <a:off x="6326630" y="1769528"/>
+            <a:ext cx="4455129" cy="3362745"/>
+          </a:xfrm>
+          <a:prstGeom prst="roundRect">
+            <a:avLst>
+              <a:gd name="adj" fmla="val 5473"/>
+            </a:avLst>
+          </a:prstGeom>
+          <a:noFill/>
+          <a:ln w="12700">
+            <a:solidFill>
+              <a:schemeClr val="bg1">
+                <a:lumMod val="50000"/>
+                <a:alpha val="50000"/>
+              </a:schemeClr>
+            </a:solidFill>
+            <a:prstDash val="solid"/>
+          </a:ln>
+          <a:effectLst/>
+        </p:spPr>
+        <p:style>
+          <a:lnRef idx="1">
+            <a:schemeClr val="accent1"/>
+          </a:lnRef>
+          <a:fillRef idx="3">
+            <a:schemeClr val="accent1"/>
+          </a:fillRef>
+          <a:effectRef idx="2">
+            <a:schemeClr val="accent1"/>
+          </a:effectRef>
+          <a:fontRef idx="minor">
+            <a:schemeClr val="lt1"/>
+          </a:fontRef>
+        </p:style>
+        <p:txBody>
+          <a:bodyPr anchor="ctr"/>
+          <a:lstStyle/>
+          <a:p>
+            <a:pPr algn="ctr">
+              <a:defRPr/>
+            </a:pPr>
+            <a:endParaRPr lang="en-US" dirty="0">
+              <a:solidFill>
+                <a:schemeClr val="tx1"/>
+              </a:solidFill>
+              <a:latin typeface="Arial"/>
+              <a:cs typeface="Arial"/>
+            </a:endParaRPr>
+          </a:p>
+        </p:txBody>
+      </p:sp>
       <p:grpSp>
         <p:nvGrpSpPr>
-          <p:cNvPr id="62" name="Group 61"/>
+          <p:cNvPr id="60" name="Group 59"/>
           <p:cNvGrpSpPr/>
           <p:nvPr/>
         </p:nvGrpSpPr>
         <p:grpSpPr>
           <a:xfrm>
-            <a:off x="1477976" y="955255"/>
-            <a:ext cx="9236049" cy="4947490"/>
-            <a:chOff x="2146802" y="900985"/>
-            <a:chExt cx="9236049" cy="4947490"/>
+            <a:off x="1477976" y="2283426"/>
+            <a:ext cx="4560837" cy="2291149"/>
+            <a:chOff x="2146802" y="1949218"/>
+            <a:chExt cx="4560837" cy="2291149"/>
           </a:xfrm>
         </p:grpSpPr>
-        <p:sp>
-          <p:nvSpPr>
-            <p:cNvPr id="4" name="Rounded Rectangle 3"/>
-            <p:cNvSpPr/>
-            <p:nvPr/>
-          </p:nvSpPr>
-          <p:spPr>
-            <a:xfrm>
-              <a:off x="6927722" y="900985"/>
-              <a:ext cx="4455129" cy="4947490"/>
-            </a:xfrm>
-            <a:prstGeom prst="roundRect">
-              <a:avLst>
-                <a:gd name="adj" fmla="val 5473"/>
-              </a:avLst>
-            </a:prstGeom>
-            <a:noFill/>
-            <a:ln w="12700">
-              <a:solidFill>
-                <a:schemeClr val="bg1">
-                  <a:lumMod val="50000"/>
-                  <a:alpha val="50000"/>
-                </a:schemeClr>
-              </a:solidFill>
-              <a:prstDash val="solid"/>
-            </a:ln>
-            <a:effectLst/>
-          </p:spPr>
-          <p:style>
-            <a:lnRef idx="1">
-              <a:schemeClr val="accent1"/>
-            </a:lnRef>
-            <a:fillRef idx="3">
-              <a:schemeClr val="accent1"/>
-            </a:fillRef>
-            <a:effectRef idx="2">
-              <a:schemeClr val="accent1"/>
-            </a:effectRef>
-            <a:fontRef idx="minor">
-              <a:schemeClr val="lt1"/>
-            </a:fontRef>
-          </p:style>
-          <p:txBody>
-            <a:bodyPr anchor="ctr"/>
-            <a:lstStyle/>
-            <a:p>
-              <a:pPr algn="ctr">
-                <a:defRPr/>
-              </a:pPr>
-              <a:endParaRPr lang="en-US" dirty="0">
-                <a:solidFill>
-                  <a:schemeClr val="tx1"/>
-                </a:solidFill>
-                <a:latin typeface="Arial"/>
-                <a:cs typeface="Arial"/>
-              </a:endParaRPr>
-            </a:p>
-          </p:txBody>
-        </p:sp>
         <p:grpSp>
           <p:nvGrpSpPr>
-            <p:cNvPr id="60" name="Group 59"/>
+            <p:cNvPr id="10" name="Group 9"/>
             <p:cNvGrpSpPr/>
             <p:nvPr/>
           </p:nvGrpSpPr>
           <p:grpSpPr>
             <a:xfrm>
-              <a:off x="2146802" y="2229156"/>
-              <a:ext cx="4560837" cy="2291149"/>
-              <a:chOff x="2146802" y="1949218"/>
-              <a:chExt cx="4560837" cy="2291149"/>
+              <a:off x="5225993" y="3426652"/>
+              <a:ext cx="1481646" cy="586365"/>
+              <a:chOff x="1402973" y="4248050"/>
+              <a:chExt cx="1481646" cy="586365"/>
             </a:xfrm>
           </p:grpSpPr>
-          <p:grpSp>
-            <p:nvGrpSpPr>
-              <p:cNvPr id="10" name="Group 9"/>
-              <p:cNvGrpSpPr/>
-              <p:nvPr/>
-            </p:nvGrpSpPr>
-            <p:grpSpPr>
-              <a:xfrm>
-                <a:off x="5225993" y="3426652"/>
-                <a:ext cx="1481646" cy="586365"/>
-                <a:chOff x="1402973" y="4248050"/>
-                <a:chExt cx="1481646" cy="586365"/>
-              </a:xfrm>
-            </p:grpSpPr>
-            <p:pic>
-              <p:nvPicPr>
-                <p:cNvPr id="8" name="Picture 7"/>
-                <p:cNvPicPr>
-                  <a:picLocks noChangeAspect="1"/>
-                </p:cNvPicPr>
-                <p:nvPr/>
-              </p:nvPicPr>
-              <p:blipFill>
-                <a:blip r:embed="rId7">
-                  <a:extLst>
-                    <a:ext uri="{28A0092B-C50C-407E-A947-70E740481C1C}">
-                      <a14:useLocalDpi xmlns:a14="http://schemas.microsoft.com/office/drawing/2010/main" val="0"/>
-                    </a:ext>
-                  </a:extLst>
-                </a:blip>
-                <a:stretch>
-                  <a:fillRect/>
-                </a:stretch>
-              </p:blipFill>
-              <p:spPr>
-                <a:xfrm>
-                  <a:off x="1402973" y="4248050"/>
-                  <a:ext cx="1481646" cy="319714"/>
-                </a:xfrm>
-                <a:prstGeom prst="rect">
-                  <a:avLst/>
-                </a:prstGeom>
-              </p:spPr>
-            </p:pic>
-            <p:sp>
-              <p:nvSpPr>
-                <p:cNvPr id="37" name="TextBox 37"/>
-                <p:cNvSpPr txBox="1">
-                  <a:spLocks noChangeArrowheads="1"/>
-                </p:cNvSpPr>
-                <p:nvPr/>
-              </p:nvSpPr>
-              <p:spPr bwMode="auto">
-                <a:xfrm>
-                  <a:off x="1649154" y="4465083"/>
-                  <a:ext cx="1003985" cy="369332"/>
-                </a:xfrm>
-                <a:prstGeom prst="rect">
-                  <a:avLst/>
-                </a:prstGeom>
-                <a:noFill/>
-                <a:ln w="9525">
-                  <a:noFill/>
-                  <a:miter lim="800000"/>
-                  <a:headEnd/>
-                  <a:tailEnd/>
-                </a:ln>
-              </p:spPr>
-              <p:txBody>
-                <a:bodyPr wrap="square">
-                  <a:spAutoFit/>
-                </a:bodyPr>
-                <a:lstStyle/>
-                <a:p>
-                  <a:pPr algn="ctr"/>
-                  <a:r>
-                    <a:rPr lang="en-US" dirty="0" smtClean="0">
-                      <a:latin typeface="Arial" charset="0"/>
-                      <a:ea typeface="Arial" charset="0"/>
-                      <a:cs typeface="Arial" charset="0"/>
-                    </a:rPr>
-                    <a:t>Plugin</a:t>
-                  </a:r>
-                </a:p>
-              </p:txBody>
-            </p:sp>
-          </p:grpSp>
-          <p:grpSp>
-            <p:nvGrpSpPr>
-              <p:cNvPr id="16" name="Group 15"/>
-              <p:cNvGrpSpPr/>
-              <p:nvPr/>
-            </p:nvGrpSpPr>
-            <p:grpSpPr>
-              <a:xfrm>
-                <a:off x="3386827" y="3199301"/>
-                <a:ext cx="1872609" cy="1041066"/>
-                <a:chOff x="664084" y="2211789"/>
-                <a:chExt cx="1872609" cy="1041066"/>
-              </a:xfrm>
-            </p:grpSpPr>
-            <p:pic>
-              <p:nvPicPr>
-                <p:cNvPr id="19" name="Picture 18"/>
-                <p:cNvPicPr>
-                  <a:picLocks noChangeAspect="1"/>
-                </p:cNvPicPr>
-                <p:nvPr/>
-              </p:nvPicPr>
-              <p:blipFill>
-                <a:blip r:embed="rId8">
-                  <a:extLst>
-                    <a:ext uri="{28A0092B-C50C-407E-A947-70E740481C1C}">
-                      <a14:useLocalDpi xmlns:a14="http://schemas.microsoft.com/office/drawing/2010/main" val="0"/>
-                    </a:ext>
-                  </a:extLst>
-                </a:blip>
-                <a:stretch>
-                  <a:fillRect/>
-                </a:stretch>
-              </p:blipFill>
-              <p:spPr>
-                <a:xfrm>
-                  <a:off x="1234628" y="2211789"/>
-                  <a:ext cx="731520" cy="707136"/>
-                </a:xfrm>
-                <a:prstGeom prst="rect">
-                  <a:avLst/>
-                </a:prstGeom>
-              </p:spPr>
-            </p:pic>
-            <p:sp>
-              <p:nvSpPr>
-                <p:cNvPr id="43" name="TextBox 37"/>
-                <p:cNvSpPr txBox="1">
-                  <a:spLocks noChangeArrowheads="1"/>
-                </p:cNvSpPr>
-                <p:nvPr/>
-              </p:nvSpPr>
-              <p:spPr bwMode="auto">
-                <a:xfrm>
-                  <a:off x="664084" y="2883523"/>
-                  <a:ext cx="1872609" cy="369332"/>
-                </a:xfrm>
-                <a:prstGeom prst="rect">
-                  <a:avLst/>
-                </a:prstGeom>
-                <a:noFill/>
-                <a:ln w="9525">
-                  <a:noFill/>
-                  <a:miter lim="800000"/>
-                  <a:headEnd/>
-                  <a:tailEnd/>
-                </a:ln>
-              </p:spPr>
-              <p:txBody>
-                <a:bodyPr wrap="square">
-                  <a:spAutoFit/>
-                </a:bodyPr>
-                <a:lstStyle/>
-                <a:p>
-                  <a:pPr algn="ctr"/>
-                  <a:r>
-                    <a:rPr lang="en-US" dirty="0" smtClean="0">
-                      <a:latin typeface="Arial" charset="0"/>
-                      <a:ea typeface="Arial" charset="0"/>
-                      <a:cs typeface="Arial" charset="0"/>
-                    </a:rPr>
-                    <a:t>Developers</a:t>
-                  </a:r>
-                  <a:endParaRPr lang="en-US" dirty="0">
-                    <a:latin typeface="Arial" charset="0"/>
-                    <a:ea typeface="Arial" charset="0"/>
-                    <a:cs typeface="Arial" charset="0"/>
-                  </a:endParaRPr>
-                </a:p>
-              </p:txBody>
-            </p:sp>
-          </p:grpSp>
           <p:pic>
             <p:nvPicPr>
-              <p:cNvPr id="26" name="Picture 25"/>
+              <p:cNvPr id="8" name="Picture 7"/>
               <p:cNvPicPr>
                 <a:picLocks noChangeAspect="1"/>
               </p:cNvPicPr>
               <p:nvPr/>
             </p:nvPicPr>
             <p:blipFill>
-              <a:blip r:embed="rId9">
+              <a:blip r:embed="rId5">
                 <a:extLst>
                   <a:ext uri="{28A0092B-C50C-407E-A947-70E740481C1C}">
                     <a14:useLocalDpi xmlns:a14="http://schemas.microsoft.com/office/drawing/2010/main" val="0"/>
@@ -4041,193 +3729,357 @@
             </p:blipFill>
             <p:spPr>
               <a:xfrm>
-                <a:off x="2146802" y="2046142"/>
-                <a:ext cx="1466944" cy="604381"/>
+                <a:off x="1402973" y="4248050"/>
+                <a:ext cx="1481646" cy="319714"/>
               </a:xfrm>
               <a:prstGeom prst="rect">
                 <a:avLst/>
               </a:prstGeom>
             </p:spPr>
           </p:pic>
-          <p:grpSp>
-            <p:nvGrpSpPr>
-              <p:cNvPr id="17" name="Group 16"/>
-              <p:cNvGrpSpPr/>
+          <p:sp>
+            <p:nvSpPr>
+              <p:cNvPr id="37" name="TextBox 37"/>
+              <p:cNvSpPr txBox="1">
+                <a:spLocks noChangeArrowheads="1"/>
+              </p:cNvSpPr>
               <p:nvPr/>
-            </p:nvGrpSpPr>
-            <p:grpSpPr>
+            </p:nvSpPr>
+            <p:spPr bwMode="auto">
               <a:xfrm>
-                <a:off x="3386827" y="1949218"/>
-                <a:ext cx="1872609" cy="976028"/>
-                <a:chOff x="2707055" y="4434774"/>
-                <a:chExt cx="1872609" cy="976028"/>
+                <a:off x="1649154" y="4465083"/>
+                <a:ext cx="1003985" cy="369332"/>
               </a:xfrm>
-            </p:grpSpPr>
-            <p:pic>
-              <p:nvPicPr>
-                <p:cNvPr id="3" name="Picture 2"/>
-                <p:cNvPicPr>
-                  <a:picLocks noChangeAspect="1"/>
-                </p:cNvPicPr>
-                <p:nvPr/>
-              </p:nvPicPr>
-              <p:blipFill>
-                <a:blip r:embed="rId10">
-                  <a:extLst>
-                    <a:ext uri="{28A0092B-C50C-407E-A947-70E740481C1C}">
-                      <a14:useLocalDpi xmlns:a14="http://schemas.microsoft.com/office/drawing/2010/main" val="0"/>
-                    </a:ext>
-                  </a:extLst>
-                </a:blip>
-                <a:stretch>
-                  <a:fillRect/>
-                </a:stretch>
-              </p:blipFill>
-              <p:spPr>
-                <a:xfrm>
-                  <a:off x="3305223" y="4434774"/>
-                  <a:ext cx="676275" cy="666750"/>
-                </a:xfrm>
-                <a:prstGeom prst="rect">
-                  <a:avLst/>
-                </a:prstGeom>
-              </p:spPr>
-            </p:pic>
-            <p:sp>
-              <p:nvSpPr>
-                <p:cNvPr id="45" name="TextBox 37"/>
-                <p:cNvSpPr txBox="1">
-                  <a:spLocks noChangeArrowheads="1"/>
-                </p:cNvSpPr>
-                <p:nvPr/>
-              </p:nvSpPr>
-              <p:spPr bwMode="auto">
-                <a:xfrm>
-                  <a:off x="2707055" y="5041470"/>
-                  <a:ext cx="1872609" cy="369332"/>
-                </a:xfrm>
-                <a:prstGeom prst="rect">
-                  <a:avLst/>
-                </a:prstGeom>
+              <a:prstGeom prst="rect">
+                <a:avLst/>
+              </a:prstGeom>
+              <a:noFill/>
+              <a:ln w="9525">
                 <a:noFill/>
-                <a:ln w="9525">
-                  <a:noFill/>
-                  <a:miter lim="800000"/>
-                  <a:headEnd/>
-                  <a:tailEnd/>
-                </a:ln>
-              </p:spPr>
-              <p:txBody>
-                <a:bodyPr wrap="square">
-                  <a:spAutoFit/>
-                </a:bodyPr>
-                <a:lstStyle/>
-                <a:p>
-                  <a:pPr algn="ctr"/>
-                  <a:r>
-                    <a:rPr lang="en-US" dirty="0" smtClean="0">
-                      <a:latin typeface="Arial" charset="0"/>
-                      <a:ea typeface="Arial" charset="0"/>
-                      <a:cs typeface="Arial" charset="0"/>
-                    </a:rPr>
-                    <a:t>Travis CI</a:t>
-                  </a:r>
-                  <a:endParaRPr lang="en-US" dirty="0">
+                <a:miter lim="800000"/>
+                <a:headEnd/>
+                <a:tailEnd/>
+              </a:ln>
+            </p:spPr>
+            <p:txBody>
+              <a:bodyPr wrap="square">
+                <a:spAutoFit/>
+              </a:bodyPr>
+              <a:lstStyle/>
+              <a:p>
+                <a:pPr algn="ctr"/>
+                <a:r>
+                  <a:rPr lang="en-US" dirty="0" smtClean="0">
                     <a:latin typeface="Arial" charset="0"/>
                     <a:ea typeface="Arial" charset="0"/>
                     <a:cs typeface="Arial" charset="0"/>
-                  </a:endParaRPr>
-                </a:p>
-              </p:txBody>
-            </p:sp>
-          </p:grpSp>
-          <p:grpSp>
-            <p:nvGrpSpPr>
-              <p:cNvPr id="50" name="Group 49"/>
-              <p:cNvGrpSpPr/>
+                  </a:rPr>
+                  <a:t>Plugin</a:t>
+                </a:r>
+              </a:p>
+            </p:txBody>
+          </p:sp>
+        </p:grpSp>
+        <p:grpSp>
+          <p:nvGrpSpPr>
+            <p:cNvPr id="16" name="Group 15"/>
+            <p:cNvGrpSpPr/>
+            <p:nvPr/>
+          </p:nvGrpSpPr>
+          <p:grpSpPr>
+            <a:xfrm>
+              <a:off x="3386827" y="3199301"/>
+              <a:ext cx="1872609" cy="1041066"/>
+              <a:chOff x="664084" y="2211789"/>
+              <a:chExt cx="1872609" cy="1041066"/>
+            </a:xfrm>
+          </p:grpSpPr>
+          <p:pic>
+            <p:nvPicPr>
+              <p:cNvPr id="19" name="Picture 18"/>
+              <p:cNvPicPr>
+                <a:picLocks noChangeAspect="1"/>
+              </p:cNvPicPr>
               <p:nvPr/>
-            </p:nvGrpSpPr>
-            <p:grpSpPr>
+            </p:nvPicPr>
+            <p:blipFill>
+              <a:blip r:embed="rId6">
+                <a:extLst>
+                  <a:ext uri="{28A0092B-C50C-407E-A947-70E740481C1C}">
+                    <a14:useLocalDpi xmlns:a14="http://schemas.microsoft.com/office/drawing/2010/main" val="0"/>
+                  </a:ext>
+                </a:extLst>
+              </a:blip>
+              <a:stretch>
+                <a:fillRect/>
+              </a:stretch>
+            </p:blipFill>
+            <p:spPr>
               <a:xfrm>
-                <a:off x="5225993" y="2144050"/>
-                <a:ext cx="1481646" cy="586365"/>
-                <a:chOff x="1402973" y="4248050"/>
-                <a:chExt cx="1481646" cy="586365"/>
+                <a:off x="1234628" y="2211789"/>
+                <a:ext cx="731520" cy="707136"/>
               </a:xfrm>
-            </p:grpSpPr>
-            <p:pic>
-              <p:nvPicPr>
-                <p:cNvPr id="51" name="Picture 50"/>
-                <p:cNvPicPr>
-                  <a:picLocks noChangeAspect="1"/>
-                </p:cNvPicPr>
-                <p:nvPr/>
-              </p:nvPicPr>
-              <p:blipFill>
-                <a:blip r:embed="rId7">
-                  <a:extLst>
-                    <a:ext uri="{28A0092B-C50C-407E-A947-70E740481C1C}">
-                      <a14:useLocalDpi xmlns:a14="http://schemas.microsoft.com/office/drawing/2010/main" val="0"/>
-                    </a:ext>
-                  </a:extLst>
-                </a:blip>
-                <a:stretch>
-                  <a:fillRect/>
-                </a:stretch>
-              </p:blipFill>
-              <p:spPr>
-                <a:xfrm>
-                  <a:off x="1402973" y="4248050"/>
-                  <a:ext cx="1481646" cy="319714"/>
-                </a:xfrm>
-                <a:prstGeom prst="rect">
-                  <a:avLst/>
-                </a:prstGeom>
-              </p:spPr>
-            </p:pic>
-            <p:sp>
-              <p:nvSpPr>
-                <p:cNvPr id="52" name="TextBox 37"/>
-                <p:cNvSpPr txBox="1">
-                  <a:spLocks noChangeArrowheads="1"/>
-                </p:cNvSpPr>
-                <p:nvPr/>
-              </p:nvSpPr>
-              <p:spPr bwMode="auto">
-                <a:xfrm>
-                  <a:off x="1649154" y="4465083"/>
-                  <a:ext cx="1003985" cy="369332"/>
-                </a:xfrm>
-                <a:prstGeom prst="rect">
-                  <a:avLst/>
-                </a:prstGeom>
+              <a:prstGeom prst="rect">
+                <a:avLst/>
+              </a:prstGeom>
+            </p:spPr>
+          </p:pic>
+          <p:sp>
+            <p:nvSpPr>
+              <p:cNvPr id="43" name="TextBox 37"/>
+              <p:cNvSpPr txBox="1">
+                <a:spLocks noChangeArrowheads="1"/>
+              </p:cNvSpPr>
+              <p:nvPr/>
+            </p:nvSpPr>
+            <p:spPr bwMode="auto">
+              <a:xfrm>
+                <a:off x="664084" y="2883523"/>
+                <a:ext cx="1872609" cy="369332"/>
+              </a:xfrm>
+              <a:prstGeom prst="rect">
+                <a:avLst/>
+              </a:prstGeom>
+              <a:noFill/>
+              <a:ln w="9525">
                 <a:noFill/>
-                <a:ln w="9525">
-                  <a:noFill/>
-                  <a:miter lim="800000"/>
-                  <a:headEnd/>
-                  <a:tailEnd/>
-                </a:ln>
-              </p:spPr>
-              <p:txBody>
-                <a:bodyPr wrap="square">
-                  <a:spAutoFit/>
-                </a:bodyPr>
-                <a:lstStyle/>
-                <a:p>
-                  <a:pPr algn="ctr"/>
-                  <a:r>
-                    <a:rPr lang="en-US" dirty="0" smtClean="0">
-                      <a:latin typeface="Arial" charset="0"/>
-                      <a:ea typeface="Arial" charset="0"/>
-                      <a:cs typeface="Arial" charset="0"/>
-                    </a:rPr>
-                    <a:t>Plugin</a:t>
-                  </a:r>
-                </a:p>
-              </p:txBody>
-            </p:sp>
-          </p:grpSp>
+                <a:miter lim="800000"/>
+                <a:headEnd/>
+                <a:tailEnd/>
+              </a:ln>
+            </p:spPr>
+            <p:txBody>
+              <a:bodyPr wrap="square">
+                <a:spAutoFit/>
+              </a:bodyPr>
+              <a:lstStyle/>
+              <a:p>
+                <a:pPr algn="ctr"/>
+                <a:r>
+                  <a:rPr lang="en-US" dirty="0" smtClean="0">
+                    <a:latin typeface="Arial" charset="0"/>
+                    <a:ea typeface="Arial" charset="0"/>
+                    <a:cs typeface="Arial" charset="0"/>
+                  </a:rPr>
+                  <a:t>Developers</a:t>
+                </a:r>
+                <a:endParaRPr lang="en-US" dirty="0">
+                  <a:latin typeface="Arial" charset="0"/>
+                  <a:ea typeface="Arial" charset="0"/>
+                  <a:cs typeface="Arial" charset="0"/>
+                </a:endParaRPr>
+              </a:p>
+            </p:txBody>
+          </p:sp>
+        </p:grpSp>
+        <p:pic>
+          <p:nvPicPr>
+            <p:cNvPr id="26" name="Picture 25"/>
+            <p:cNvPicPr>
+              <a:picLocks noChangeAspect="1"/>
+            </p:cNvPicPr>
+            <p:nvPr/>
+          </p:nvPicPr>
+          <p:blipFill>
+            <a:blip r:embed="rId7">
+              <a:extLst>
+                <a:ext uri="{28A0092B-C50C-407E-A947-70E740481C1C}">
+                  <a14:useLocalDpi xmlns:a14="http://schemas.microsoft.com/office/drawing/2010/main" val="0"/>
+                </a:ext>
+              </a:extLst>
+            </a:blip>
+            <a:stretch>
+              <a:fillRect/>
+            </a:stretch>
+          </p:blipFill>
+          <p:spPr>
+            <a:xfrm>
+              <a:off x="2146802" y="2046142"/>
+              <a:ext cx="1466944" cy="604381"/>
+            </a:xfrm>
+            <a:prstGeom prst="rect">
+              <a:avLst/>
+            </a:prstGeom>
+          </p:spPr>
+        </p:pic>
+        <p:grpSp>
+          <p:nvGrpSpPr>
+            <p:cNvPr id="17" name="Group 16"/>
+            <p:cNvGrpSpPr/>
+            <p:nvPr/>
+          </p:nvGrpSpPr>
+          <p:grpSpPr>
+            <a:xfrm>
+              <a:off x="3386827" y="1949218"/>
+              <a:ext cx="1872609" cy="976028"/>
+              <a:chOff x="2707055" y="4434774"/>
+              <a:chExt cx="1872609" cy="976028"/>
+            </a:xfrm>
+          </p:grpSpPr>
+          <p:pic>
+            <p:nvPicPr>
+              <p:cNvPr id="3" name="Picture 2"/>
+              <p:cNvPicPr>
+                <a:picLocks noChangeAspect="1"/>
+              </p:cNvPicPr>
+              <p:nvPr/>
+            </p:nvPicPr>
+            <p:blipFill>
+              <a:blip r:embed="rId8">
+                <a:extLst>
+                  <a:ext uri="{28A0092B-C50C-407E-A947-70E740481C1C}">
+                    <a14:useLocalDpi xmlns:a14="http://schemas.microsoft.com/office/drawing/2010/main" val="0"/>
+                  </a:ext>
+                </a:extLst>
+              </a:blip>
+              <a:stretch>
+                <a:fillRect/>
+              </a:stretch>
+            </p:blipFill>
+            <p:spPr>
+              <a:xfrm>
+                <a:off x="3305223" y="4434774"/>
+                <a:ext cx="676275" cy="666750"/>
+              </a:xfrm>
+              <a:prstGeom prst="rect">
+                <a:avLst/>
+              </a:prstGeom>
+            </p:spPr>
+          </p:pic>
+          <p:sp>
+            <p:nvSpPr>
+              <p:cNvPr id="45" name="TextBox 37"/>
+              <p:cNvSpPr txBox="1">
+                <a:spLocks noChangeArrowheads="1"/>
+              </p:cNvSpPr>
+              <p:nvPr/>
+            </p:nvSpPr>
+            <p:spPr bwMode="auto">
+              <a:xfrm>
+                <a:off x="2707055" y="5041470"/>
+                <a:ext cx="1872609" cy="369332"/>
+              </a:xfrm>
+              <a:prstGeom prst="rect">
+                <a:avLst/>
+              </a:prstGeom>
+              <a:noFill/>
+              <a:ln w="9525">
+                <a:noFill/>
+                <a:miter lim="800000"/>
+                <a:headEnd/>
+                <a:tailEnd/>
+              </a:ln>
+            </p:spPr>
+            <p:txBody>
+              <a:bodyPr wrap="square">
+                <a:spAutoFit/>
+              </a:bodyPr>
+              <a:lstStyle/>
+              <a:p>
+                <a:pPr algn="ctr"/>
+                <a:r>
+                  <a:rPr lang="en-US" dirty="0" smtClean="0">
+                    <a:latin typeface="Arial" charset="0"/>
+                    <a:ea typeface="Arial" charset="0"/>
+                    <a:cs typeface="Arial" charset="0"/>
+                  </a:rPr>
+                  <a:t>Travis CI</a:t>
+                </a:r>
+                <a:endParaRPr lang="en-US" dirty="0">
+                  <a:latin typeface="Arial" charset="0"/>
+                  <a:ea typeface="Arial" charset="0"/>
+                  <a:cs typeface="Arial" charset="0"/>
+                </a:endParaRPr>
+              </a:p>
+            </p:txBody>
+          </p:sp>
+        </p:grpSp>
+        <p:grpSp>
+          <p:nvGrpSpPr>
+            <p:cNvPr id="50" name="Group 49"/>
+            <p:cNvGrpSpPr/>
+            <p:nvPr/>
+          </p:nvGrpSpPr>
+          <p:grpSpPr>
+            <a:xfrm>
+              <a:off x="5225993" y="2144050"/>
+              <a:ext cx="1481646" cy="586365"/>
+              <a:chOff x="1402973" y="4248050"/>
+              <a:chExt cx="1481646" cy="586365"/>
+            </a:xfrm>
+          </p:grpSpPr>
+          <p:pic>
+            <p:nvPicPr>
+              <p:cNvPr id="51" name="Picture 50"/>
+              <p:cNvPicPr>
+                <a:picLocks noChangeAspect="1"/>
+              </p:cNvPicPr>
+              <p:nvPr/>
+            </p:nvPicPr>
+            <p:blipFill>
+              <a:blip r:embed="rId5">
+                <a:extLst>
+                  <a:ext uri="{28A0092B-C50C-407E-A947-70E740481C1C}">
+                    <a14:useLocalDpi xmlns:a14="http://schemas.microsoft.com/office/drawing/2010/main" val="0"/>
+                  </a:ext>
+                </a:extLst>
+              </a:blip>
+              <a:stretch>
+                <a:fillRect/>
+              </a:stretch>
+            </p:blipFill>
+            <p:spPr>
+              <a:xfrm>
+                <a:off x="1402973" y="4248050"/>
+                <a:ext cx="1481646" cy="319714"/>
+              </a:xfrm>
+              <a:prstGeom prst="rect">
+                <a:avLst/>
+              </a:prstGeom>
+            </p:spPr>
+          </p:pic>
+          <p:sp>
+            <p:nvSpPr>
+              <p:cNvPr id="52" name="TextBox 37"/>
+              <p:cNvSpPr txBox="1">
+                <a:spLocks noChangeArrowheads="1"/>
+              </p:cNvSpPr>
+              <p:nvPr/>
+            </p:nvSpPr>
+            <p:spPr bwMode="auto">
+              <a:xfrm>
+                <a:off x="1649154" y="4465083"/>
+                <a:ext cx="1003985" cy="369332"/>
+              </a:xfrm>
+              <a:prstGeom prst="rect">
+                <a:avLst/>
+              </a:prstGeom>
+              <a:noFill/>
+              <a:ln w="9525">
+                <a:noFill/>
+                <a:miter lim="800000"/>
+                <a:headEnd/>
+                <a:tailEnd/>
+              </a:ln>
+            </p:spPr>
+            <p:txBody>
+              <a:bodyPr wrap="square">
+                <a:spAutoFit/>
+              </a:bodyPr>
+              <a:lstStyle/>
+              <a:p>
+                <a:pPr algn="ctr"/>
+                <a:r>
+                  <a:rPr lang="en-US" dirty="0" smtClean="0">
+                    <a:latin typeface="Arial" charset="0"/>
+                    <a:ea typeface="Arial" charset="0"/>
+                    <a:cs typeface="Arial" charset="0"/>
+                  </a:rPr>
+                  <a:t>Plugin</a:t>
+                </a:r>
+              </a:p>
+            </p:txBody>
+          </p:sp>
         </p:grpSp>
       </p:grpSp>
       <p:pic>
@@ -4239,7 +4091,7 @@
           <p:nvPr/>
         </p:nvPicPr>
         <p:blipFill>
-          <a:blip r:embed="rId11" cstate="print">
+          <a:blip r:embed="rId9" cstate="print">
             <a:extLst>
               <a:ext uri="{28A0092B-C50C-407E-A947-70E740481C1C}">
                 <a14:useLocalDpi xmlns:a14="http://schemas.microsoft.com/office/drawing/2010/main"/>
@@ -4252,7 +4104,7 @@
         </p:blipFill>
         <p:spPr>
           <a:xfrm>
-            <a:off x="6396435" y="599232"/>
+            <a:off x="6464169" y="1352761"/>
             <a:ext cx="683467" cy="683467"/>
           </a:xfrm>
           <a:prstGeom prst="rect">
